--- a/FNC-Report.pptx
+++ b/FNC-Report.pptx
@@ -16,10 +16,9 @@
     <p:sldId id="261" r:id="rId10"/>
     <p:sldId id="265" r:id="rId11"/>
     <p:sldId id="263" r:id="rId12"/>
-    <p:sldId id="274" r:id="rId13"/>
-    <p:sldId id="264" r:id="rId14"/>
-    <p:sldId id="258" r:id="rId15"/>
-    <p:sldId id="276" r:id="rId16"/>
+    <p:sldId id="264" r:id="rId13"/>
+    <p:sldId id="258" r:id="rId14"/>
+    <p:sldId id="276" r:id="rId15"/>
   </p:sldIdLst>
   <p:sldSz cx="12192000" cy="6858000"/>
   <p:notesSz cx="6858000" cy="9144000"/>
@@ -3285,7 +3284,7 @@
           <a:p>
             <a:fld id="{A61AD22D-3426-4090-B811-E62D9DE269DC}" type="datetimeFigureOut">
               <a:rPr lang="en-US" smtClean="0"/>
-              <a:t>10/5/2024</a:t>
+              <a:t>10/6/2024</a:t>
             </a:fld>
             <a:endParaRPr lang="en-US"/>
           </a:p>
@@ -3493,7 +3492,7 @@
           <a:p>
             <a:fld id="{A61AD22D-3426-4090-B811-E62D9DE269DC}" type="datetimeFigureOut">
               <a:rPr lang="en-US" smtClean="0"/>
-              <a:t>10/5/2024</a:t>
+              <a:t>10/6/2024</a:t>
             </a:fld>
             <a:endParaRPr lang="en-US"/>
           </a:p>
@@ -3749,7 +3748,7 @@
           <a:p>
             <a:fld id="{A61AD22D-3426-4090-B811-E62D9DE269DC}" type="datetimeFigureOut">
               <a:rPr lang="en-US" smtClean="0"/>
-              <a:t>10/5/2024</a:t>
+              <a:t>10/6/2024</a:t>
             </a:fld>
             <a:endParaRPr lang="en-US"/>
           </a:p>
@@ -3923,7 +3922,7 @@
           <a:p>
             <a:fld id="{A61AD22D-3426-4090-B811-E62D9DE269DC}" type="datetimeFigureOut">
               <a:rPr lang="en-US" smtClean="0"/>
-              <a:t>10/5/2024</a:t>
+              <a:t>10/6/2024</a:t>
             </a:fld>
             <a:endParaRPr lang="en-US"/>
           </a:p>
@@ -4266,7 +4265,7 @@
           <a:p>
             <a:fld id="{A61AD22D-3426-4090-B811-E62D9DE269DC}" type="datetimeFigureOut">
               <a:rPr lang="en-US" smtClean="0"/>
-              <a:t>10/5/2024</a:t>
+              <a:t>10/6/2024</a:t>
             </a:fld>
             <a:endParaRPr lang="en-US"/>
           </a:p>
@@ -4541,7 +4540,7 @@
           <a:p>
             <a:fld id="{A61AD22D-3426-4090-B811-E62D9DE269DC}" type="datetimeFigureOut">
               <a:rPr lang="en-US" smtClean="0"/>
-              <a:t>10/5/2024</a:t>
+              <a:t>10/6/2024</a:t>
             </a:fld>
             <a:endParaRPr lang="en-US"/>
           </a:p>
@@ -4920,7 +4919,7 @@
           <a:p>
             <a:fld id="{A61AD22D-3426-4090-B811-E62D9DE269DC}" type="datetimeFigureOut">
               <a:rPr lang="en-US" smtClean="0"/>
-              <a:t>10/5/2024</a:t>
+              <a:t>10/6/2024</a:t>
             </a:fld>
             <a:endParaRPr lang="en-US"/>
           </a:p>
@@ -5038,7 +5037,7 @@
           <a:p>
             <a:fld id="{A61AD22D-3426-4090-B811-E62D9DE269DC}" type="datetimeFigureOut">
               <a:rPr lang="en-US" smtClean="0"/>
-              <a:t>10/5/2024</a:t>
+              <a:t>10/6/2024</a:t>
             </a:fld>
             <a:endParaRPr lang="en-US"/>
           </a:p>
@@ -5209,7 +5208,7 @@
           <a:p>
             <a:fld id="{A61AD22D-3426-4090-B811-E62D9DE269DC}" type="datetimeFigureOut">
               <a:rPr lang="en-US" smtClean="0"/>
-              <a:t>10/5/2024</a:t>
+              <a:t>10/6/2024</a:t>
             </a:fld>
             <a:endParaRPr lang="en-US"/>
           </a:p>
@@ -5563,7 +5562,7 @@
           <a:p>
             <a:fld id="{A61AD22D-3426-4090-B811-E62D9DE269DC}" type="datetimeFigureOut">
               <a:rPr lang="en-US" smtClean="0"/>
-              <a:t>10/5/2024</a:t>
+              <a:t>10/6/2024</a:t>
             </a:fld>
             <a:endParaRPr lang="en-US"/>
           </a:p>
@@ -5945,7 +5944,7 @@
           <a:p>
             <a:fld id="{A61AD22D-3426-4090-B811-E62D9DE269DC}" type="datetimeFigureOut">
               <a:rPr lang="en-US" smtClean="0"/>
-              <a:t>10/5/2024</a:t>
+              <a:t>10/6/2024</a:t>
             </a:fld>
             <a:endParaRPr lang="en-US"/>
           </a:p>
@@ -6231,7 +6230,7 @@
           <a:p>
             <a:fld id="{A61AD22D-3426-4090-B811-E62D9DE269DC}" type="datetimeFigureOut">
               <a:rPr lang="en-US" smtClean="0"/>
-              <a:t>10/5/2024</a:t>
+              <a:t>10/6/2024</a:t>
             </a:fld>
             <a:endParaRPr lang="en-US"/>
           </a:p>
@@ -6873,7 +6872,7 @@
           <a:p>
             <a:r>
               <a:rPr lang="en-US" dirty="0"/>
-              <a:t>FNC – Evaluation – Compare to Baseline Methods</a:t>
+              <a:t>FNSA – Evaluation – Compare to Baseline Methods</a:t>
             </a:r>
           </a:p>
         </p:txBody>
@@ -7148,7 +7147,7 @@
           <a:p>
             <a:r>
               <a:rPr lang="en-US" dirty="0"/>
-              <a:t>FNC – Evaluation and Error analysis</a:t>
+              <a:t>FNSA – Evaluation and Error analysis</a:t>
             </a:r>
           </a:p>
         </p:txBody>
@@ -7172,11 +7171,13 @@
         <p:spPr>
           <a:xfrm>
             <a:off x="635977" y="1157354"/>
-            <a:ext cx="10058400" cy="4023360"/>
+            <a:ext cx="7751885" cy="3338586"/>
           </a:xfrm>
         </p:spPr>
         <p:txBody>
-          <a:bodyPr/>
+          <a:bodyPr>
+            <a:normAutofit fontScale="92500" lnSpcReduction="20000"/>
+          </a:bodyPr>
           <a:lstStyle/>
           <a:p>
             <a:pPr marL="457200" indent="-457200">
@@ -7184,8 +7185,28 @@
               <a:buAutoNum type="arabicPeriod"/>
             </a:pPr>
             <a:r>
-              <a:rPr lang="en-US" dirty="0"/>
-              <a:t>Due to the achieved results, our LLama2 finetuning has good performance with average F1-score/ accuracy/ precision of 81%. From confusion matrix, we can see that the miss-classification between neutral and positive news is considerably large. Thus, an error analysis </a:t>
+              <a:rPr lang="en-US" sz="1700" dirty="0"/>
+              <a:t>Due to the achieved results, our LLama2 finetuning has good performance with average F1-score/ accuracy/ precision of 81%. From confusion matrix, we can see that the miss-classification between neutral and positive news is considerably large. </a:t>
+            </a:r>
+          </a:p>
+          <a:p>
+            <a:pPr marL="457200" indent="-457200">
+              <a:buFont typeface="+mj-lt"/>
+              <a:buAutoNum type="arabicPeriod"/>
+            </a:pPr>
+            <a:r>
+              <a:rPr lang="en-US" sz="1700" dirty="0"/>
+              <a:t>Due to the prediction results on the test set, we also count the word number in each text which is mis-classified and compared to all correctly-classified cases. Most mis-classified cases have the new headings whose number of words is less than 20. A small number of words in headings is not the main reason for a mis-classification because as in the figure, there are some headings with a few words that have been classified correctly</a:t>
+            </a:r>
+          </a:p>
+          <a:p>
+            <a:pPr marL="457200" indent="-457200">
+              <a:buFont typeface="+mj-lt"/>
+              <a:buAutoNum type="arabicPeriod"/>
+            </a:pPr>
+            <a:r>
+              <a:rPr lang="en-US" sz="1700" dirty="0"/>
+              <a:t>However, due to the figure, a short heading is usually classified as neutral possibly because it contains not enough information to be able to classify them correctly. To improve the accuracy of the sentiment analysis model, we aim to collect more news information by possibly including the summary of news in the future so that we can achieve a news sentiment classifier with higher accuracy.</a:t>
             </a:r>
           </a:p>
           <a:p>
@@ -7195,6 +7216,131 @@
             <a:r>
               <a:rPr lang="en-US" dirty="0"/>
               <a:t>  </a:t>
+            </a:r>
+          </a:p>
+        </p:txBody>
+      </p:sp>
+      <p:pic>
+        <p:nvPicPr>
+          <p:cNvPr id="7" name="Picture 6">
+            <a:extLst>
+              <a:ext uri="{FF2B5EF4-FFF2-40B4-BE49-F238E27FC236}">
+                <a16:creationId xmlns:a16="http://schemas.microsoft.com/office/drawing/2014/main" id="{E8E291A9-F9F4-3B27-2254-86D667EDE02F}"/>
+              </a:ext>
+            </a:extLst>
+          </p:cNvPr>
+          <p:cNvPicPr>
+            <a:picLocks noChangeAspect="1"/>
+          </p:cNvPicPr>
+          <p:nvPr/>
+        </p:nvPicPr>
+        <p:blipFill>
+          <a:blip r:embed="rId2"/>
+          <a:stretch>
+            <a:fillRect/>
+          </a:stretch>
+        </p:blipFill>
+        <p:spPr>
+          <a:xfrm>
+            <a:off x="8042979" y="1043860"/>
+            <a:ext cx="4149021" cy="2519958"/>
+          </a:xfrm>
+          <a:prstGeom prst="rect">
+            <a:avLst/>
+          </a:prstGeom>
+        </p:spPr>
+      </p:pic>
+      <p:pic>
+        <p:nvPicPr>
+          <p:cNvPr id="9" name="Picture 8">
+            <a:extLst>
+              <a:ext uri="{FF2B5EF4-FFF2-40B4-BE49-F238E27FC236}">
+                <a16:creationId xmlns:a16="http://schemas.microsoft.com/office/drawing/2014/main" id="{B1673FE7-1D5C-2754-66C4-67408F459566}"/>
+              </a:ext>
+            </a:extLst>
+          </p:cNvPr>
+          <p:cNvPicPr>
+            <a:picLocks noChangeAspect="1"/>
+          </p:cNvPicPr>
+          <p:nvPr/>
+        </p:nvPicPr>
+        <p:blipFill>
+          <a:blip r:embed="rId3"/>
+          <a:stretch>
+            <a:fillRect/>
+          </a:stretch>
+        </p:blipFill>
+        <p:spPr>
+          <a:xfrm>
+            <a:off x="8258632" y="3677312"/>
+            <a:ext cx="3933368" cy="2367800"/>
+          </a:xfrm>
+          <a:prstGeom prst="rect">
+            <a:avLst/>
+          </a:prstGeom>
+        </p:spPr>
+      </p:pic>
+      <p:pic>
+        <p:nvPicPr>
+          <p:cNvPr id="13" name="Picture 12">
+            <a:extLst>
+              <a:ext uri="{FF2B5EF4-FFF2-40B4-BE49-F238E27FC236}">
+                <a16:creationId xmlns:a16="http://schemas.microsoft.com/office/drawing/2014/main" id="{3B367E6D-01D8-823B-B846-CAF23A668534}"/>
+              </a:ext>
+            </a:extLst>
+          </p:cNvPr>
+          <p:cNvPicPr>
+            <a:picLocks noChangeAspect="1"/>
+          </p:cNvPicPr>
+          <p:nvPr/>
+        </p:nvPicPr>
+        <p:blipFill>
+          <a:blip r:embed="rId4"/>
+          <a:stretch>
+            <a:fillRect/>
+          </a:stretch>
+        </p:blipFill>
+        <p:spPr>
+          <a:xfrm>
+            <a:off x="1475455" y="4518302"/>
+            <a:ext cx="6480305" cy="1631512"/>
+          </a:xfrm>
+          <a:prstGeom prst="rect">
+            <a:avLst/>
+          </a:prstGeom>
+        </p:spPr>
+      </p:pic>
+      <p:sp>
+        <p:nvSpPr>
+          <p:cNvPr id="14" name="TextBox 13">
+            <a:extLst>
+              <a:ext uri="{FF2B5EF4-FFF2-40B4-BE49-F238E27FC236}">
+                <a16:creationId xmlns:a16="http://schemas.microsoft.com/office/drawing/2014/main" id="{E05FE78D-04ED-D89F-7A35-9618D007B490}"/>
+              </a:ext>
+            </a:extLst>
+          </p:cNvPr>
+          <p:cNvSpPr txBox="1"/>
+          <p:nvPr/>
+        </p:nvSpPr>
+        <p:spPr>
+          <a:xfrm>
+            <a:off x="51102" y="4861212"/>
+            <a:ext cx="1424353" cy="923330"/>
+          </a:xfrm>
+          <a:prstGeom prst="rect">
+            <a:avLst/>
+          </a:prstGeom>
+          <a:noFill/>
+        </p:spPr>
+        <p:txBody>
+          <a:bodyPr wrap="square" rtlCol="0">
+            <a:spAutoFit/>
+          </a:bodyPr>
+          <a:lstStyle/>
+          <a:p>
+            <a:r>
+              <a:rPr lang="en-US" dirty="0"/>
+              <a:t>Example of mis-classified headings</a:t>
             </a:r>
           </a:p>
         </p:txBody>
@@ -7234,91 +7380,6 @@
           <p:cNvPr id="2" name="Title 1">
             <a:extLst>
               <a:ext uri="{FF2B5EF4-FFF2-40B4-BE49-F238E27FC236}">
-                <a16:creationId xmlns:a16="http://schemas.microsoft.com/office/drawing/2014/main" id="{7CC5A31D-28D3-F79F-8705-C8A28AF467F9}"/>
-              </a:ext>
-            </a:extLst>
-          </p:cNvPr>
-          <p:cNvSpPr>
-            <a:spLocks noGrp="1"/>
-          </p:cNvSpPr>
-          <p:nvPr>
-            <p:ph type="title"/>
-          </p:nvPr>
-        </p:nvSpPr>
-        <p:spPr/>
-        <p:txBody>
-          <a:bodyPr>
-            <a:normAutofit fontScale="90000"/>
-          </a:bodyPr>
-          <a:lstStyle/>
-          <a:p>
-            <a:r>
-              <a:rPr lang="en-US" dirty="0"/>
-              <a:t>FNC – Evaluation and Error analysis</a:t>
-            </a:r>
-          </a:p>
-        </p:txBody>
-      </p:sp>
-      <p:sp>
-        <p:nvSpPr>
-          <p:cNvPr id="3" name="Content Placeholder 2">
-            <a:extLst>
-              <a:ext uri="{FF2B5EF4-FFF2-40B4-BE49-F238E27FC236}">
-                <a16:creationId xmlns:a16="http://schemas.microsoft.com/office/drawing/2014/main" id="{7CE40744-CF17-8D4F-C2FA-7520160B5BC7}"/>
-              </a:ext>
-            </a:extLst>
-          </p:cNvPr>
-          <p:cNvSpPr>
-            <a:spLocks noGrp="1"/>
-          </p:cNvSpPr>
-          <p:nvPr>
-            <p:ph idx="1"/>
-          </p:nvPr>
-        </p:nvSpPr>
-        <p:spPr/>
-        <p:txBody>
-          <a:bodyPr/>
-          <a:lstStyle/>
-          <a:p>
-            <a:endParaRPr lang="en-US"/>
-          </a:p>
-        </p:txBody>
-      </p:sp>
-    </p:spTree>
-    <p:extLst>
-      <p:ext uri="{BB962C8B-B14F-4D97-AF65-F5344CB8AC3E}">
-        <p14:creationId xmlns:p14="http://schemas.microsoft.com/office/powerpoint/2010/main" val="2753663810"/>
-      </p:ext>
-    </p:extLst>
-  </p:cSld>
-  <p:clrMapOvr>
-    <a:masterClrMapping/>
-  </p:clrMapOvr>
-</p:sld>
-</file>
-
-<file path=ppt/slides/slide13.xml><?xml version="1.0" encoding="utf-8"?>
-<p:sld xmlns:a="http://schemas.openxmlformats.org/drawingml/2006/main" xmlns:r="http://schemas.openxmlformats.org/officeDocument/2006/relationships" xmlns:p="http://schemas.openxmlformats.org/presentationml/2006/main">
-  <p:cSld>
-    <p:spTree>
-      <p:nvGrpSpPr>
-        <p:cNvPr id="1" name=""/>
-        <p:cNvGrpSpPr/>
-        <p:nvPr/>
-      </p:nvGrpSpPr>
-      <p:grpSpPr>
-        <a:xfrm>
-          <a:off x="0" y="0"/>
-          <a:ext cx="0" cy="0"/>
-          <a:chOff x="0" y="0"/>
-          <a:chExt cx="0" cy="0"/>
-        </a:xfrm>
-      </p:grpSpPr>
-      <p:sp>
-        <p:nvSpPr>
-          <p:cNvPr id="2" name="Title 1">
-            <a:extLst>
-              <a:ext uri="{FF2B5EF4-FFF2-40B4-BE49-F238E27FC236}">
                 <a16:creationId xmlns:a16="http://schemas.microsoft.com/office/drawing/2014/main" id="{F5EF6257-2355-0A03-8F58-BD2D8156E930}"/>
               </a:ext>
             </a:extLst>
@@ -7339,55 +7400,305 @@
           <a:p>
             <a:r>
               <a:rPr lang="en-US" dirty="0"/>
-              <a:t>FNC – Improvement Plan</a:t>
+              <a:t>FNC – Conclusion and Improvement</a:t>
             </a:r>
           </a:p>
         </p:txBody>
       </p:sp>
-      <p:sp>
-        <p:nvSpPr>
-          <p:cNvPr id="3" name="Content Placeholder 2">
+      <p:graphicFrame>
+        <p:nvGraphicFramePr>
+          <p:cNvPr id="6" name="Table 5">
             <a:extLst>
               <a:ext uri="{FF2B5EF4-FFF2-40B4-BE49-F238E27FC236}">
-                <a16:creationId xmlns:a16="http://schemas.microsoft.com/office/drawing/2014/main" id="{3973CEFA-0954-F30E-D1CF-BFCD5AC1C261}"/>
+                <a16:creationId xmlns:a16="http://schemas.microsoft.com/office/drawing/2014/main" id="{D8ED4232-F999-A314-352E-0DA1565DEAFD}"/>
               </a:ext>
             </a:extLst>
           </p:cNvPr>
-          <p:cNvSpPr>
-            <a:spLocks noGrp="1"/>
-          </p:cNvSpPr>
+          <p:cNvGraphicFramePr>
+            <a:graphicFrameLocks noGrp="1"/>
+          </p:cNvGraphicFramePr>
           <p:nvPr>
-            <p:ph idx="1"/>
+            <p:extLst>
+              <p:ext uri="{D42A27DB-BD31-4B8C-83A1-F6EECF244321}">
+                <p14:modId xmlns:p14="http://schemas.microsoft.com/office/powerpoint/2010/main" val="1663966292"/>
+              </p:ext>
+            </p:extLst>
           </p:nvPr>
-        </p:nvSpPr>
-        <p:spPr/>
-        <p:txBody>
-          <a:bodyPr/>
-          <a:lstStyle/>
-          <a:p>
-            <a:r>
-              <a:rPr lang="en-US" dirty="0"/>
-              <a:t>- Error analysis</a:t>
-            </a:r>
-          </a:p>
-          <a:p>
-            <a:r>
-              <a:rPr lang="en-US" dirty="0"/>
-              <a:t>- Notebook</a:t>
-            </a:r>
-          </a:p>
-          <a:p>
-            <a:r>
-              <a:rPr lang="en-US"/>
-              <a:t>- </a:t>
-            </a:r>
-            <a:r>
-              <a:rPr lang="en-US" dirty="0"/>
-              <a:t>Docs</a:t>
-            </a:r>
-          </a:p>
-        </p:txBody>
-      </p:sp>
+        </p:nvGraphicFramePr>
+        <p:xfrm>
+          <a:off x="429078" y="1150488"/>
+          <a:ext cx="11333844" cy="4324567"/>
+        </p:xfrm>
+        <a:graphic>
+          <a:graphicData uri="http://schemas.openxmlformats.org/drawingml/2006/table">
+            <a:tbl>
+              <a:tblPr firstRow="1" bandRow="1">
+                <a:tableStyleId>{5C22544A-7EE6-4342-B048-85BDC9FD1C3A}</a:tableStyleId>
+              </a:tblPr>
+              <a:tblGrid>
+                <a:gridCol w="3148205">
+                  <a:extLst>
+                    <a:ext uri="{9D8B030D-6E8A-4147-A177-3AD203B41FA5}">
+                      <a16:colId xmlns:a16="http://schemas.microsoft.com/office/drawing/2014/main" val="1950882972"/>
+                    </a:ext>
+                  </a:extLst>
+                </a:gridCol>
+                <a:gridCol w="3279531">
+                  <a:extLst>
+                    <a:ext uri="{9D8B030D-6E8A-4147-A177-3AD203B41FA5}">
+                      <a16:colId xmlns:a16="http://schemas.microsoft.com/office/drawing/2014/main" val="851750625"/>
+                    </a:ext>
+                  </a:extLst>
+                </a:gridCol>
+                <a:gridCol w="4906108">
+                  <a:extLst>
+                    <a:ext uri="{9D8B030D-6E8A-4147-A177-3AD203B41FA5}">
+                      <a16:colId xmlns:a16="http://schemas.microsoft.com/office/drawing/2014/main" val="4062798734"/>
+                    </a:ext>
+                  </a:extLst>
+                </a:gridCol>
+              </a:tblGrid>
+              <a:tr h="666967">
+                <a:tc>
+                  <a:txBody>
+                    <a:bodyPr/>
+                    <a:lstStyle/>
+                    <a:p>
+                      <a:r>
+                        <a:rPr lang="en-US" dirty="0"/>
+                        <a:t>Task</a:t>
+                      </a:r>
+                    </a:p>
+                  </a:txBody>
+                  <a:tcPr/>
+                </a:tc>
+                <a:tc>
+                  <a:txBody>
+                    <a:bodyPr/>
+                    <a:lstStyle/>
+                    <a:p>
+                      <a:r>
+                        <a:rPr lang="en-US" dirty="0"/>
+                        <a:t>Achievement</a:t>
+                      </a:r>
+                    </a:p>
+                  </a:txBody>
+                  <a:tcPr/>
+                </a:tc>
+                <a:tc>
+                  <a:txBody>
+                    <a:bodyPr/>
+                    <a:lstStyle/>
+                    <a:p>
+                      <a:r>
+                        <a:rPr lang="en-US" dirty="0"/>
+                        <a:t>Improvement </a:t>
+                      </a:r>
+                    </a:p>
+                  </a:txBody>
+                  <a:tcPr/>
+                </a:tc>
+                <a:extLst>
+                  <a:ext uri="{0D108BD9-81ED-4DB2-BD59-A6C34878D82A}">
+                    <a16:rowId xmlns:a16="http://schemas.microsoft.com/office/drawing/2014/main" val="762223607"/>
+                  </a:ext>
+                </a:extLst>
+              </a:tr>
+              <a:tr h="666967">
+                <a:tc>
+                  <a:txBody>
+                    <a:bodyPr/>
+                    <a:lstStyle/>
+                    <a:p>
+                      <a:r>
+                        <a:rPr lang="en-US" dirty="0"/>
+                        <a:t>Finetuning LLama2</a:t>
+                      </a:r>
+                    </a:p>
+                  </a:txBody>
+                  <a:tcPr/>
+                </a:tc>
+                <a:tc>
+                  <a:txBody>
+                    <a:bodyPr/>
+                    <a:lstStyle/>
+                    <a:p>
+                      <a:r>
+                        <a:rPr lang="en-US" dirty="0"/>
+                        <a:t>Average Accuracy/Precision/F1-score: 81%</a:t>
+                      </a:r>
+                    </a:p>
+                  </a:txBody>
+                  <a:tcPr/>
+                </a:tc>
+                <a:tc>
+                  <a:txBody>
+                    <a:bodyPr/>
+                    <a:lstStyle/>
+                    <a:p>
+                      <a:r>
+                        <a:rPr lang="en-US" dirty="0"/>
+                        <a:t>My laptop has not enough GPU for training with more options on Lora settings </a:t>
+                      </a:r>
+                      <a:r>
+                        <a:rPr lang="en-US" dirty="0">
+                          <a:sym typeface="Wingdings" panose="05000000000000000000" pitchFamily="2" charset="2"/>
+                        </a:rPr>
+                        <a:t> can enhance the model performance after finetuning</a:t>
+                      </a:r>
+                      <a:endParaRPr lang="en-US" dirty="0"/>
+                    </a:p>
+                  </a:txBody>
+                  <a:tcPr/>
+                </a:tc>
+                <a:extLst>
+                  <a:ext uri="{0D108BD9-81ED-4DB2-BD59-A6C34878D82A}">
+                    <a16:rowId xmlns:a16="http://schemas.microsoft.com/office/drawing/2014/main" val="4093905083"/>
+                  </a:ext>
+                </a:extLst>
+              </a:tr>
+              <a:tr h="666967">
+                <a:tc>
+                  <a:txBody>
+                    <a:bodyPr/>
+                    <a:lstStyle/>
+                    <a:p>
+                      <a:r>
+                        <a:rPr lang="en-US" dirty="0"/>
+                        <a:t>Finetuning T5/ Roberta</a:t>
+                      </a:r>
+                    </a:p>
+                  </a:txBody>
+                  <a:tcPr/>
+                </a:tc>
+                <a:tc>
+                  <a:txBody>
+                    <a:bodyPr/>
+                    <a:lstStyle/>
+                    <a:p>
+                      <a:r>
+                        <a:rPr lang="en-US" dirty="0"/>
+                        <a:t>NA</a:t>
+                      </a:r>
+                    </a:p>
+                  </a:txBody>
+                  <a:tcPr/>
+                </a:tc>
+                <a:tc>
+                  <a:txBody>
+                    <a:bodyPr/>
+                    <a:lstStyle/>
+                    <a:p>
+                      <a:r>
+                        <a:rPr lang="en-US" dirty="0"/>
+                        <a:t>T5/Roberta with encoder/decoder architecture can enhance the model performance – have not tested yet</a:t>
+                      </a:r>
+                    </a:p>
+                  </a:txBody>
+                  <a:tcPr/>
+                </a:tc>
+                <a:extLst>
+                  <a:ext uri="{0D108BD9-81ED-4DB2-BD59-A6C34878D82A}">
+                    <a16:rowId xmlns:a16="http://schemas.microsoft.com/office/drawing/2014/main" val="943335069"/>
+                  </a:ext>
+                </a:extLst>
+              </a:tr>
+              <a:tr h="666967">
+                <a:tc>
+                  <a:txBody>
+                    <a:bodyPr/>
+                    <a:lstStyle/>
+                    <a:p>
+                      <a:r>
+                        <a:rPr lang="en-US" dirty="0"/>
+                        <a:t>Data Correction</a:t>
+                      </a:r>
+                    </a:p>
+                  </a:txBody>
+                  <a:tcPr/>
+                </a:tc>
+                <a:tc>
+                  <a:txBody>
+                    <a:bodyPr/>
+                    <a:lstStyle/>
+                    <a:p>
+                      <a:r>
+                        <a:rPr lang="en-US" dirty="0"/>
+                        <a:t>Only data cleaning/ pre-processing before fine-tuning</a:t>
+                      </a:r>
+                    </a:p>
+                  </a:txBody>
+                  <a:tcPr/>
+                </a:tc>
+                <a:tc>
+                  <a:txBody>
+                    <a:bodyPr/>
+                    <a:lstStyle/>
+                    <a:p>
+                      <a:r>
+                        <a:rPr lang="en-US" dirty="0"/>
+                        <a:t>Through error analysis, some headings with spelling errors and non-English words. These words should be corrected or translated.</a:t>
+                      </a:r>
+                    </a:p>
+                  </a:txBody>
+                  <a:tcPr/>
+                </a:tc>
+                <a:extLst>
+                  <a:ext uri="{0D108BD9-81ED-4DB2-BD59-A6C34878D82A}">
+                    <a16:rowId xmlns:a16="http://schemas.microsoft.com/office/drawing/2014/main" val="2981801674"/>
+                  </a:ext>
+                </a:extLst>
+              </a:tr>
+              <a:tr h="666967">
+                <a:tc>
+                  <a:txBody>
+                    <a:bodyPr/>
+                    <a:lstStyle/>
+                    <a:p>
+                      <a:r>
+                        <a:rPr lang="en-US" dirty="0"/>
+                        <a:t>News summarization collection</a:t>
+                      </a:r>
+                    </a:p>
+                  </a:txBody>
+                  <a:tcPr/>
+                </a:tc>
+                <a:tc>
+                  <a:txBody>
+                    <a:bodyPr/>
+                    <a:lstStyle/>
+                    <a:p>
+                      <a:r>
+                        <a:rPr lang="en-US" dirty="0"/>
+                        <a:t>NA</a:t>
+                      </a:r>
+                    </a:p>
+                  </a:txBody>
+                  <a:tcPr/>
+                </a:tc>
+                <a:tc>
+                  <a:txBody>
+                    <a:bodyPr/>
+                    <a:lstStyle/>
+                    <a:p>
+                      <a:r>
+                        <a:rPr lang="en-US" dirty="0"/>
+                        <a:t>As analyzed, the news summary can be helpful to have a better classifier for this news sentiment analysis</a:t>
+                      </a:r>
+                    </a:p>
+                  </a:txBody>
+                  <a:tcPr/>
+                </a:tc>
+                <a:extLst>
+                  <a:ext uri="{0D108BD9-81ED-4DB2-BD59-A6C34878D82A}">
+                    <a16:rowId xmlns:a16="http://schemas.microsoft.com/office/drawing/2014/main" val="3843813749"/>
+                  </a:ext>
+                </a:extLst>
+              </a:tr>
+            </a:tbl>
+          </a:graphicData>
+        </a:graphic>
+      </p:graphicFrame>
     </p:spTree>
     <p:extLst>
       <p:ext uri="{BB962C8B-B14F-4D97-AF65-F5344CB8AC3E}">
@@ -7401,7 +7712,7 @@
 </p:sld>
 </file>
 
-<file path=ppt/slides/slide14.xml><?xml version="1.0" encoding="utf-8"?>
+<file path=ppt/slides/slide13.xml><?xml version="1.0" encoding="utf-8"?>
 <p:sld xmlns:a="http://schemas.openxmlformats.org/drawingml/2006/main" xmlns:r="http://schemas.openxmlformats.org/officeDocument/2006/relationships" xmlns:p="http://schemas.openxmlformats.org/presentationml/2006/main">
   <p:cSld>
     <p:spTree>
@@ -7534,7 +7845,7 @@
 </p:sld>
 </file>
 
-<file path=ppt/slides/slide15.xml><?xml version="1.0" encoding="utf-8"?>
+<file path=ppt/slides/slide14.xml><?xml version="1.0" encoding="utf-8"?>
 <p:sld xmlns:a="http://schemas.openxmlformats.org/drawingml/2006/main" xmlns:r="http://schemas.openxmlformats.org/officeDocument/2006/relationships" xmlns:p="http://schemas.openxmlformats.org/presentationml/2006/main">
   <p:cSld>
     <p:spTree>
